--- a/PnP Transformation Process/Templates/Solution Design Report Presentation Template.pptx
+++ b/PnP Transformation Process/Templates/Solution Design Report Presentation Template.pptx
@@ -485,7 +485,7 @@
           <a:p>
             <a:fld id="{DE219B1A-AE41-483B-A766-69B9363DDA6A}" type="datetimeFigureOut">
               <a:rPr lang="en-US" smtClean="0"/>
-              <a:t>4/20/2015</a:t>
+              <a:t>5/27/2015</a:t>
             </a:fld>
             <a:endParaRPr lang="en-US" dirty="0"/>
           </a:p>
@@ -694,7 +694,7 @@
           <a:p>
             <a:fld id="{D51B1278-D92B-4AF3-A9C1-71DD298190CE}" type="datetimeFigureOut">
               <a:rPr lang="en-US" smtClean="0"/>
-              <a:t>4/20/2015</a:t>
+              <a:t>5/27/2015</a:t>
             </a:fld>
             <a:endParaRPr lang="en-US" dirty="0"/>
           </a:p>
@@ -1139,7 +1139,7 @@
                 </a:solidFill>
               </a:rPr>
               <a:pPr/>
-              <a:t>4/20/2015</a:t>
+              <a:t>5/27/2015</a:t>
             </a:fld>
             <a:endParaRPr lang="en-US" dirty="0">
               <a:solidFill>
@@ -1374,7 +1374,7 @@
           <a:p>
             <a:fld id="{2833A15F-7250-496B-997A-E56D394A0A3F}" type="datetime1">
               <a:rPr lang="en-US" smtClean="0"/>
-              <a:t>4/20/2015</a:t>
+              <a:t>5/27/2015</a:t>
             </a:fld>
             <a:endParaRPr lang="en-US" dirty="0"/>
           </a:p>
@@ -1695,7 +1695,7 @@
           <a:p>
             <a:fld id="{33F73865-91A1-4941-9BC5-DE2B944EF063}" type="datetime1">
               <a:rPr lang="en-US" smtClean="0"/>
-              <a:t>4/20/2015</a:t>
+              <a:t>5/27/2015</a:t>
             </a:fld>
             <a:endParaRPr lang="en-US" dirty="0"/>
           </a:p>
@@ -2035,7 +2035,7 @@
                 </a:solidFill>
               </a:rPr>
               <a:pPr/>
-              <a:t>4/20/2015</a:t>
+              <a:t>5/27/2015</a:t>
             </a:fld>
             <a:endParaRPr lang="en-US" dirty="0">
               <a:solidFill>
@@ -12491,8 +12491,12 @@
           <a:lstStyle/>
           <a:p>
             <a:r>
+              <a:rPr lang="en-US" smtClean="0"/>
+              <a:t>PnP </a:t>
+            </a:r>
+            <a:r>
               <a:rPr lang="en-US" dirty="0" smtClean="0"/>
-              <a:t>Office 365 PnP Transformation – </a:t>
+              <a:t>Transformation – </a:t>
             </a:r>
             <a:br>
               <a:rPr lang="en-US" dirty="0" smtClean="0"/>
@@ -16349,7 +16353,11 @@
           <a:p>
             <a:r>
               <a:rPr lang="en-US" dirty="0" smtClean="0"/>
-              <a:t>vNext transition plan status</a:t>
+              <a:t>Office 365 </a:t>
+            </a:r>
+            <a:r>
+              <a:rPr lang="en-US" dirty="0" smtClean="0"/>
+              <a:t>transition plan status</a:t>
             </a:r>
             <a:endParaRPr lang="en-US" dirty="0"/>
           </a:p>
@@ -16404,7 +16412,31 @@
                     <a:schemeClr val="bg1"/>
                   </a:solidFill>
                 </a:rPr>
-                <a:t>Details on the current status with the vNext transition. What are the plans and high level schedule or target to achieve the transition.</a:t>
+                <a:t>Details on the current status with </a:t>
+              </a:r>
+              <a:r>
+                <a:rPr lang="en-US" sz="1400" spc="-70" smtClean="0">
+                  <a:solidFill>
+                    <a:schemeClr val="bg1"/>
+                  </a:solidFill>
+                </a:rPr>
+                <a:t>the </a:t>
+              </a:r>
+              <a:r>
+                <a:rPr lang="en-US" sz="1400" spc="-70" smtClean="0">
+                  <a:solidFill>
+                    <a:schemeClr val="bg1"/>
+                  </a:solidFill>
+                </a:rPr>
+                <a:t>Office 365 </a:t>
+              </a:r>
+              <a:r>
+                <a:rPr lang="en-US" sz="1400" spc="-70" dirty="0" smtClean="0">
+                  <a:solidFill>
+                    <a:schemeClr val="bg1"/>
+                  </a:solidFill>
+                </a:rPr>
+                <a:t>transition. What are the plans and high level schedule or target to achieve the transition.</a:t>
               </a:r>
             </a:p>
           </p:txBody>
@@ -21974,15 +22006,7 @@
                     <a:schemeClr val="bg1"/>
                   </a:solidFill>
                 </a:rPr>
-                <a:t>which </a:t>
-              </a:r>
-              <a:r>
-                <a:rPr lang="en-US" sz="1400" spc="-70" smtClean="0">
-                  <a:solidFill>
-                    <a:schemeClr val="bg1"/>
-                  </a:solidFill>
-                </a:rPr>
-                <a:t>could be </a:t>
+                <a:t>which could be </a:t>
               </a:r>
               <a:r>
                 <a:rPr lang="en-US" sz="1400" spc="-70" dirty="0" smtClean="0">
@@ -24814,37 +24838,8 @@
                     <a:schemeClr val="bg1"/>
                   </a:solidFill>
                 </a:rPr>
-                <a:t>WCM capabilities which should be converted to app model side. </a:t>
+                <a:t>WCM capabilities which should be converted to app model side. Focus on the page layouts, possible existing field controls and how those are handled.</a:t>
               </a:r>
-              <a:r>
-                <a:rPr lang="en-US" sz="1400" spc="-70" dirty="0" smtClean="0">
-                  <a:solidFill>
-                    <a:schemeClr val="bg1"/>
-                  </a:solidFill>
-                </a:rPr>
-                <a:t>Focus on </a:t>
-              </a:r>
-              <a:r>
-                <a:rPr lang="en-US" sz="1400" spc="-70" dirty="0" smtClean="0">
-                  <a:solidFill>
-                    <a:schemeClr val="bg1"/>
-                  </a:solidFill>
-                </a:rPr>
-                <a:t>the page layouts, possible existing field controls and how those are </a:t>
-              </a:r>
-              <a:r>
-                <a:rPr lang="en-US" sz="1400" spc="-70" dirty="0" smtClean="0">
-                  <a:solidFill>
-                    <a:schemeClr val="bg1"/>
-                  </a:solidFill>
-                </a:rPr>
-                <a:t>handled.</a:t>
-              </a:r>
-              <a:endParaRPr lang="en-US" sz="1400" spc="-70" dirty="0" smtClean="0">
-                <a:solidFill>
-                  <a:schemeClr val="bg1"/>
-                </a:solidFill>
-              </a:endParaRPr>
             </a:p>
           </p:txBody>
         </p:sp>
@@ -25741,18 +25736,7 @@
                 </a:solidFill>
                 <a:cs typeface="Segoe UI" panose="020B0502040204020203" pitchFamily="34" charset="0"/>
               </a:rPr>
-              <a:t>App </a:t>
-            </a:r>
-            <a:r>
-              <a:rPr lang="en-US" sz="1400" dirty="0" smtClean="0">
-                <a:solidFill>
-                  <a:schemeClr val="bg2">
-                    <a:lumMod val="50000"/>
-                  </a:schemeClr>
-                </a:solidFill>
-                <a:cs typeface="Segoe UI" panose="020B0502040204020203" pitchFamily="34" charset="0"/>
-              </a:rPr>
-              <a:t>hosting configuration.  Leverage available resources to ramp up dev resources</a:t>
+              <a:t>App hosting configuration.  Leverage available resources to ramp up dev resources</a:t>
             </a:r>
           </a:p>
           <a:p>
@@ -31164,7 +31148,23 @@
                     <a:schemeClr val="bg1"/>
                   </a:solidFill>
                 </a:rPr>
-                <a:t>Introduction to existing applications in the Dedicated farm. What is in use and what do they contain. Could be multiple slides</a:t>
+                <a:t>Introduction to existing applications in </a:t>
+              </a:r>
+              <a:r>
+                <a:rPr lang="en-US" sz="1400" spc="-70" smtClean="0">
+                  <a:solidFill>
+                    <a:schemeClr val="bg1"/>
+                  </a:solidFill>
+                </a:rPr>
+                <a:t>the farm</a:t>
+              </a:r>
+              <a:r>
+                <a:rPr lang="en-US" sz="1400" spc="-70" dirty="0" smtClean="0">
+                  <a:solidFill>
+                    <a:schemeClr val="bg1"/>
+                  </a:solidFill>
+                </a:rPr>
+                <a:t>. What is in use and what do they contain. Could be multiple slides</a:t>
               </a:r>
             </a:p>
           </p:txBody>
@@ -32441,27 +32441,15 @@
 </file>
 
 <file path=customXml/item3.xml><?xml version="1.0" encoding="utf-8"?>
-<Control xmlns="http://schemas.microsoft.com/VisualStudio/2011/storyboarding/control">
-  <Id Name="System.Storyboarding.Backgrounds.WebBrowser" Revision="1" Stencil="System.Storyboarding.Backgrounds" StencilVersion="0.1"/>
-</Control>
+<?mso-contentType ?>
+<FormTemplates xmlns="http://schemas.microsoft.com/sharepoint/v3/contenttype/forms">
+  <Display>DocumentLibraryForm</Display>
+  <Edit>DocumentLibraryForm</Edit>
+  <New>DocumentLibraryForm</New>
+</FormTemplates>
 </file>
 
 <file path=customXml/item4.xml><?xml version="1.0" encoding="utf-8"?>
-<p:properties xmlns:p="http://schemas.microsoft.com/office/2006/metadata/properties" xmlns:xsi="http://www.w3.org/2001/XMLSchema-instance" xmlns:pc="http://schemas.microsoft.com/office/infopath/2007/PartnerControls">
-  <documentManagement>
-    <SharedWithUsers xmlns="5ec9502b-addf-4716-883a-9e6742fd5109">
-      <UserInfo>
-        <DisplayName/>
-        <AccountId xsi:nil="true"/>
-        <AccountType/>
-      </UserInfo>
-    </SharedWithUsers>
-    <SharingHintHash xmlns="5ec9502b-addf-4716-883a-9e6742fd5109">-223225823</SharingHintHash>
-  </documentManagement>
-</p:properties>
-</file>
-
-<file path=customXml/item5.xml><?xml version="1.0" encoding="utf-8"?>
 <ct:contentTypeSchema xmlns:ct="http://schemas.microsoft.com/office/2006/metadata/contentType" xmlns:ma="http://schemas.microsoft.com/office/2006/metadata/properties/metaAttributes" ct:_="" ma:_="" ma:contentTypeName="Document" ma:contentTypeID="0x010100DD7BFE2324FCFB49A665688E9D54E8DB" ma:contentTypeVersion="2" ma:contentTypeDescription="Create a new document." ma:contentTypeScope="" ma:versionID="d40ecbfa05608dbb8df02efb84158178">
   <xsd:schema xmlns:xsd="http://www.w3.org/2001/XMLSchema" xmlns:xs="http://www.w3.org/2001/XMLSchema" xmlns:p="http://schemas.microsoft.com/office/2006/metadata/properties" xmlns:ns2="5ec9502b-addf-4716-883a-9e6742fd5109" targetNamespace="http://schemas.microsoft.com/office/2006/metadata/properties" ma:root="true" ma:fieldsID="c8929b4bbf02ed04f4fe894b226e94c0" ns2:_="">
     <xsd:import namespace="5ec9502b-addf-4716-883a-9e6742fd5109"/>
@@ -32607,16 +32595,36 @@
 </ct:contentTypeSchema>
 </file>
 
+<file path=customXml/item5.xml><?xml version="1.0" encoding="utf-8"?>
+<p:properties xmlns:p="http://schemas.microsoft.com/office/2006/metadata/properties" xmlns:xsi="http://www.w3.org/2001/XMLSchema-instance" xmlns:pc="http://schemas.microsoft.com/office/infopath/2007/PartnerControls">
+  <documentManagement>
+    <SharedWithUsers xmlns="5ec9502b-addf-4716-883a-9e6742fd5109">
+      <UserInfo>
+        <DisplayName/>
+        <AccountId xsi:nil="true"/>
+        <AccountType/>
+      </UserInfo>
+    </SharedWithUsers>
+    <SharingHintHash xmlns="5ec9502b-addf-4716-883a-9e6742fd5109">-223225823</SharingHintHash>
+  </documentManagement>
+</p:properties>
+</file>
+
 <file path=customXml/item6.xml><?xml version="1.0" encoding="utf-8"?>
-<?mso-contentType ?>
-<FormTemplates xmlns="http://schemas.microsoft.com/sharepoint/v3/contenttype/forms">
-  <Display>DocumentLibraryForm</Display>
-  <Edit>DocumentLibraryForm</Edit>
-  <New>DocumentLibraryForm</New>
-</FormTemplates>
+<Control xmlns="http://schemas.microsoft.com/VisualStudio/2011/storyboarding/control">
+  <Id Name="System.Storyboarding.Backgrounds.WebBrowser" Revision="1" Stencil="System.Storyboarding.Backgrounds" StencilVersion="0.1"/>
+</Control>
 </file>
 
 <file path=customXml/itemProps1.xml><?xml version="1.0" encoding="utf-8"?>
+<ds:datastoreItem xmlns:ds="http://schemas.openxmlformats.org/officeDocument/2006/customXml" ds:itemID="{57ED2E3B-EB43-4252-8C73-98EA6ACC344E}">
+  <ds:schemaRefs>
+    <ds:schemaRef ds:uri="http://schemas.microsoft.com/VisualStudio/2011/storyboarding/control"/>
+  </ds:schemaRefs>
+</ds:datastoreItem>
+</file>
+
+<file path=customXml/itemProps2.xml><?xml version="1.0" encoding="utf-8"?>
 <ds:datastoreItem xmlns:ds="http://schemas.openxmlformats.org/officeDocument/2006/customXml" ds:itemID="{CE030D2D-A334-4C40-95AD-E97580D89B11}">
   <ds:schemaRefs>
     <ds:schemaRef ds:uri="http://schemas.microsoft.com/VisualStudio/2011/storyboarding/control"/>
@@ -32624,39 +32632,15 @@
 </ds:datastoreItem>
 </file>
 
-<file path=customXml/itemProps2.xml><?xml version="1.0" encoding="utf-8"?>
-<ds:datastoreItem xmlns:ds="http://schemas.openxmlformats.org/officeDocument/2006/customXml" ds:itemID="{57ED2E3B-EB43-4252-8C73-98EA6ACC344E}">
+<file path=customXml/itemProps3.xml><?xml version="1.0" encoding="utf-8"?>
+<ds:datastoreItem xmlns:ds="http://schemas.openxmlformats.org/officeDocument/2006/customXml" ds:itemID="{B4606E04-852E-4880-8CD1-0B186F4087B1}">
   <ds:schemaRefs>
-    <ds:schemaRef ds:uri="http://schemas.microsoft.com/VisualStudio/2011/storyboarding/control"/>
-  </ds:schemaRefs>
-</ds:datastoreItem>
-</file>
-
-<file path=customXml/itemProps3.xml><?xml version="1.0" encoding="utf-8"?>
-<ds:datastoreItem xmlns:ds="http://schemas.openxmlformats.org/officeDocument/2006/customXml" ds:itemID="{6769EEFD-0F61-4AA2-AE02-4E16ED5BCFE8}">
-  <ds:schemaRefs>
-    <ds:schemaRef ds:uri="http://schemas.microsoft.com/VisualStudio/2011/storyboarding/control"/>
+    <ds:schemaRef ds:uri="http://schemas.microsoft.com/sharepoint/v3/contenttype/forms"/>
   </ds:schemaRefs>
 </ds:datastoreItem>
 </file>
 
 <file path=customXml/itemProps4.xml><?xml version="1.0" encoding="utf-8"?>
-<ds:datastoreItem xmlns:ds="http://schemas.openxmlformats.org/officeDocument/2006/customXml" ds:itemID="{F1AEA8A7-A694-4DB0-82AB-EF48F2E9B6F9}">
-  <ds:schemaRefs>
-    <ds:schemaRef ds:uri="http://purl.org/dc/elements/1.1/"/>
-    <ds:schemaRef ds:uri="http://purl.org/dc/terms/"/>
-    <ds:schemaRef ds:uri="http://www.w3.org/XML/1998/namespace"/>
-    <ds:schemaRef ds:uri="http://schemas.microsoft.com/office/2006/documentManagement/types"/>
-    <ds:schemaRef ds:uri="http://schemas.openxmlformats.org/package/2006/metadata/core-properties"/>
-    <ds:schemaRef ds:uri="5ec9502b-addf-4716-883a-9e6742fd5109"/>
-    <ds:schemaRef ds:uri="http://schemas.microsoft.com/office/infopath/2007/PartnerControls"/>
-    <ds:schemaRef ds:uri="http://schemas.microsoft.com/office/2006/metadata/properties"/>
-    <ds:schemaRef ds:uri="http://purl.org/dc/dcmitype/"/>
-  </ds:schemaRefs>
-</ds:datastoreItem>
-</file>
-
-<file path=customXml/itemProps5.xml><?xml version="1.0" encoding="utf-8"?>
 <ds:datastoreItem xmlns:ds="http://schemas.openxmlformats.org/officeDocument/2006/customXml" ds:itemID="{A937641A-5B27-4C4E-ADDA-FC396561DEAF}">
   <ds:schemaRefs>
     <ds:schemaRef ds:uri="http://schemas.microsoft.com/office/2006/metadata/contentType"/>
@@ -32674,10 +32658,26 @@
 </ds:datastoreItem>
 </file>
 
+<file path=customXml/itemProps5.xml><?xml version="1.0" encoding="utf-8"?>
+<ds:datastoreItem xmlns:ds="http://schemas.openxmlformats.org/officeDocument/2006/customXml" ds:itemID="{F1AEA8A7-A694-4DB0-82AB-EF48F2E9B6F9}">
+  <ds:schemaRefs>
+    <ds:schemaRef ds:uri="http://purl.org/dc/elements/1.1/"/>
+    <ds:schemaRef ds:uri="http://purl.org/dc/terms/"/>
+    <ds:schemaRef ds:uri="http://www.w3.org/XML/1998/namespace"/>
+    <ds:schemaRef ds:uri="http://schemas.microsoft.com/office/2006/documentManagement/types"/>
+    <ds:schemaRef ds:uri="http://schemas.openxmlformats.org/package/2006/metadata/core-properties"/>
+    <ds:schemaRef ds:uri="5ec9502b-addf-4716-883a-9e6742fd5109"/>
+    <ds:schemaRef ds:uri="http://schemas.microsoft.com/office/infopath/2007/PartnerControls"/>
+    <ds:schemaRef ds:uri="http://schemas.microsoft.com/office/2006/metadata/properties"/>
+    <ds:schemaRef ds:uri="http://purl.org/dc/dcmitype/"/>
+  </ds:schemaRefs>
+</ds:datastoreItem>
+</file>
+
 <file path=customXml/itemProps6.xml><?xml version="1.0" encoding="utf-8"?>
-<ds:datastoreItem xmlns:ds="http://schemas.openxmlformats.org/officeDocument/2006/customXml" ds:itemID="{B4606E04-852E-4880-8CD1-0B186F4087B1}">
+<ds:datastoreItem xmlns:ds="http://schemas.openxmlformats.org/officeDocument/2006/customXml" ds:itemID="{6769EEFD-0F61-4AA2-AE02-4E16ED5BCFE8}">
   <ds:schemaRefs>
-    <ds:schemaRef ds:uri="http://schemas.microsoft.com/sharepoint/v3/contenttype/forms"/>
+    <ds:schemaRef ds:uri="http://schemas.microsoft.com/VisualStudio/2011/storyboarding/control"/>
   </ds:schemaRefs>
 </ds:datastoreItem>
 </file>
--- a/PnP Transformation Process/Templates/Solution Design Report Presentation Template.pptx
+++ b/PnP Transformation Process/Templates/Solution Design Report Presentation Template.pptx
@@ -485,7 +485,7 @@
           <a:p>
             <a:fld id="{DE219B1A-AE41-483B-A766-69B9363DDA6A}" type="datetimeFigureOut">
               <a:rPr lang="en-US" smtClean="0"/>
-              <a:t>5/27/2015</a:t>
+              <a:t>6/5/2015</a:t>
             </a:fld>
             <a:endParaRPr lang="en-US" dirty="0"/>
           </a:p>
@@ -694,7 +694,7 @@
           <a:p>
             <a:fld id="{D51B1278-D92B-4AF3-A9C1-71DD298190CE}" type="datetimeFigureOut">
               <a:rPr lang="en-US" smtClean="0"/>
-              <a:t>5/27/2015</a:t>
+              <a:t>6/5/2015</a:t>
             </a:fld>
             <a:endParaRPr lang="en-US" dirty="0"/>
           </a:p>
@@ -1139,7 +1139,7 @@
                 </a:solidFill>
               </a:rPr>
               <a:pPr/>
-              <a:t>5/27/2015</a:t>
+              <a:t>6/5/2015</a:t>
             </a:fld>
             <a:endParaRPr lang="en-US" dirty="0">
               <a:solidFill>
@@ -1374,7 +1374,7 @@
           <a:p>
             <a:fld id="{2833A15F-7250-496B-997A-E56D394A0A3F}" type="datetime1">
               <a:rPr lang="en-US" smtClean="0"/>
-              <a:t>5/27/2015</a:t>
+              <a:t>6/5/2015</a:t>
             </a:fld>
             <a:endParaRPr lang="en-US" dirty="0"/>
           </a:p>
@@ -1695,7 +1695,7 @@
           <a:p>
             <a:fld id="{33F73865-91A1-4941-9BC5-DE2B944EF063}" type="datetime1">
               <a:rPr lang="en-US" smtClean="0"/>
-              <a:t>5/27/2015</a:t>
+              <a:t>6/5/2015</a:t>
             </a:fld>
             <a:endParaRPr lang="en-US" dirty="0"/>
           </a:p>
@@ -2035,7 +2035,7 @@
                 </a:solidFill>
               </a:rPr>
               <a:pPr/>
-              <a:t>5/27/2015</a:t>
+              <a:t>6/5/2015</a:t>
             </a:fld>
             <a:endParaRPr lang="en-US" dirty="0">
               <a:solidFill>
@@ -16353,11 +16353,7 @@
           <a:p>
             <a:r>
               <a:rPr lang="en-US" dirty="0" smtClean="0"/>
-              <a:t>Office 365 </a:t>
-            </a:r>
-            <a:r>
-              <a:rPr lang="en-US" dirty="0" smtClean="0"/>
-              <a:t>transition plan status</a:t>
+              <a:t>Office 365 transition plan status</a:t>
             </a:r>
             <a:endParaRPr lang="en-US" dirty="0"/>
           </a:p>
@@ -16420,15 +16416,7 @@
                     <a:schemeClr val="bg1"/>
                   </a:solidFill>
                 </a:rPr>
-                <a:t>the </a:t>
-              </a:r>
-              <a:r>
-                <a:rPr lang="en-US" sz="1400" spc="-70" smtClean="0">
-                  <a:solidFill>
-                    <a:schemeClr val="bg1"/>
-                  </a:solidFill>
-                </a:rPr>
-                <a:t>Office 365 </a:t>
+                <a:t>the Office 365 </a:t>
               </a:r>
               <a:r>
                 <a:rPr lang="en-US" sz="1400" spc="-70" dirty="0" smtClean="0">
@@ -28173,7 +28161,7 @@
           <a:p>
             <a:pPr defTabSz="914099" eaLnBrk="0" hangingPunct="0"/>
             <a:r>
-              <a:rPr lang="en-US" sz="700" dirty="0">
+              <a:rPr lang="en-US" sz="700">
                 <a:solidFill>
                   <a:srgbClr val="000000">
                     <a:lumMod val="65000"/>
@@ -28186,6 +28174,19 @@
               <a:t>© </a:t>
             </a:r>
             <a:r>
+              <a:rPr lang="en-US" sz="700" smtClean="0">
+                <a:solidFill>
+                  <a:srgbClr val="000000">
+                    <a:lumMod val="65000"/>
+                    <a:lumOff val="35000"/>
+                  </a:srgbClr>
+                </a:solidFill>
+                <a:ea typeface="Segoe UI" pitchFamily="34" charset="0"/>
+                <a:cs typeface="Segoe UI" pitchFamily="34" charset="0"/>
+              </a:rPr>
+              <a:t>2015 </a:t>
+            </a:r>
+            <a:r>
               <a:rPr lang="en-US" sz="700" dirty="0" smtClean="0">
                 <a:solidFill>
                   <a:srgbClr val="000000">
@@ -28196,7 +28197,7 @@
                 <a:ea typeface="Segoe UI" pitchFamily="34" charset="0"/>
                 <a:cs typeface="Segoe UI" pitchFamily="34" charset="0"/>
               </a:rPr>
-              <a:t>2014 Microsoft </a:t>
+              <a:t>Microsoft </a:t>
             </a:r>
             <a:r>
               <a:rPr lang="en-US" sz="700" dirty="0">
@@ -28639,10 +28640,34 @@
                 <a:tableStyleId>{5C22544A-7EE6-4342-B048-85BDC9FD1C3A}</a:tableStyleId>
               </a:tblPr>
               <a:tblGrid>
-                <a:gridCol w="2794925"/>
-                <a:gridCol w="2683565"/>
-                <a:gridCol w="2623930"/>
-                <a:gridCol w="2855843"/>
+                <a:gridCol w="2794925">
+                  <a:extLst>
+                    <a:ext uri="{9D8B030D-6E8A-4147-A177-3AD203B41FA5}">
+                      <a16:colId xmlns:a16="http://schemas.microsoft.com/office/drawing/2014/main" val="20000"/>
+                    </a:ext>
+                  </a:extLst>
+                </a:gridCol>
+                <a:gridCol w="2683565">
+                  <a:extLst>
+                    <a:ext uri="{9D8B030D-6E8A-4147-A177-3AD203B41FA5}">
+                      <a16:colId xmlns:a16="http://schemas.microsoft.com/office/drawing/2014/main" val="20001"/>
+                    </a:ext>
+                  </a:extLst>
+                </a:gridCol>
+                <a:gridCol w="2623930">
+                  <a:extLst>
+                    <a:ext uri="{9D8B030D-6E8A-4147-A177-3AD203B41FA5}">
+                      <a16:colId xmlns:a16="http://schemas.microsoft.com/office/drawing/2014/main" val="20002"/>
+                    </a:ext>
+                  </a:extLst>
+                </a:gridCol>
+                <a:gridCol w="2855843">
+                  <a:extLst>
+                    <a:ext uri="{9D8B030D-6E8A-4147-A177-3AD203B41FA5}">
+                      <a16:colId xmlns:a16="http://schemas.microsoft.com/office/drawing/2014/main" val="20003"/>
+                    </a:ext>
+                  </a:extLst>
+                </a:gridCol>
               </a:tblGrid>
               <a:tr h="185372">
                 <a:tc rowSpan="2">
@@ -28854,6 +28879,11 @@
                     </a:solidFill>
                   </a:tcPr>
                 </a:tc>
+                <a:extLst>
+                  <a:ext uri="{0D108BD9-81ED-4DB2-BD59-A6C34878D82A}">
+                    <a16:rowId xmlns:a16="http://schemas.microsoft.com/office/drawing/2014/main" val="10000"/>
+                  </a:ext>
+                </a:extLst>
               </a:tr>
               <a:tr h="185372">
                 <a:tc vMerge="1">
@@ -29061,6 +29091,11 @@
                     </a:solidFill>
                   </a:tcPr>
                 </a:tc>
+                <a:extLst>
+                  <a:ext uri="{0D108BD9-81ED-4DB2-BD59-A6C34878D82A}">
+                    <a16:rowId xmlns:a16="http://schemas.microsoft.com/office/drawing/2014/main" val="10001"/>
+                  </a:ext>
+                </a:extLst>
               </a:tr>
               <a:tr h="1264591">
                 <a:tc>
@@ -29571,6 +29606,11 @@
                     <a:noFill/>
                   </a:tcPr>
                 </a:tc>
+                <a:extLst>
+                  <a:ext uri="{0D108BD9-81ED-4DB2-BD59-A6C34878D82A}">
+                    <a16:rowId xmlns:a16="http://schemas.microsoft.com/office/drawing/2014/main" val="10002"/>
+                  </a:ext>
+                </a:extLst>
               </a:tr>
             </a:tbl>
           </a:graphicData>
@@ -32441,15 +32481,27 @@
 </file>
 
 <file path=customXml/item3.xml><?xml version="1.0" encoding="utf-8"?>
-<?mso-contentType ?>
-<FormTemplates xmlns="http://schemas.microsoft.com/sharepoint/v3/contenttype/forms">
-  <Display>DocumentLibraryForm</Display>
-  <Edit>DocumentLibraryForm</Edit>
-  <New>DocumentLibraryForm</New>
-</FormTemplates>
+<Control xmlns="http://schemas.microsoft.com/VisualStudio/2011/storyboarding/control">
+  <Id Name="System.Storyboarding.Backgrounds.WebBrowser" Revision="1" Stencil="System.Storyboarding.Backgrounds" StencilVersion="0.1"/>
+</Control>
 </file>
 
 <file path=customXml/item4.xml><?xml version="1.0" encoding="utf-8"?>
+<p:properties xmlns:p="http://schemas.microsoft.com/office/2006/metadata/properties" xmlns:xsi="http://www.w3.org/2001/XMLSchema-instance" xmlns:pc="http://schemas.microsoft.com/office/infopath/2007/PartnerControls">
+  <documentManagement>
+    <SharedWithUsers xmlns="5ec9502b-addf-4716-883a-9e6742fd5109">
+      <UserInfo>
+        <DisplayName/>
+        <AccountId xsi:nil="true"/>
+        <AccountType/>
+      </UserInfo>
+    </SharedWithUsers>
+    <SharingHintHash xmlns="5ec9502b-addf-4716-883a-9e6742fd5109">-223225823</SharingHintHash>
+  </documentManagement>
+</p:properties>
+</file>
+
+<file path=customXml/item5.xml><?xml version="1.0" encoding="utf-8"?>
 <ct:contentTypeSchema xmlns:ct="http://schemas.microsoft.com/office/2006/metadata/contentType" xmlns:ma="http://schemas.microsoft.com/office/2006/metadata/properties/metaAttributes" ct:_="" ma:_="" ma:contentTypeName="Document" ma:contentTypeID="0x010100DD7BFE2324FCFB49A665688E9D54E8DB" ma:contentTypeVersion="2" ma:contentTypeDescription="Create a new document." ma:contentTypeScope="" ma:versionID="d40ecbfa05608dbb8df02efb84158178">
   <xsd:schema xmlns:xsd="http://www.w3.org/2001/XMLSchema" xmlns:xs="http://www.w3.org/2001/XMLSchema" xmlns:p="http://schemas.microsoft.com/office/2006/metadata/properties" xmlns:ns2="5ec9502b-addf-4716-883a-9e6742fd5109" targetNamespace="http://schemas.microsoft.com/office/2006/metadata/properties" ma:root="true" ma:fieldsID="c8929b4bbf02ed04f4fe894b226e94c0" ns2:_="">
     <xsd:import namespace="5ec9502b-addf-4716-883a-9e6742fd5109"/>
@@ -32595,28 +32647,24 @@
 </ct:contentTypeSchema>
 </file>
 
-<file path=customXml/item5.xml><?xml version="1.0" encoding="utf-8"?>
-<p:properties xmlns:p="http://schemas.microsoft.com/office/2006/metadata/properties" xmlns:xsi="http://www.w3.org/2001/XMLSchema-instance" xmlns:pc="http://schemas.microsoft.com/office/infopath/2007/PartnerControls">
-  <documentManagement>
-    <SharedWithUsers xmlns="5ec9502b-addf-4716-883a-9e6742fd5109">
-      <UserInfo>
-        <DisplayName/>
-        <AccountId xsi:nil="true"/>
-        <AccountType/>
-      </UserInfo>
-    </SharedWithUsers>
-    <SharingHintHash xmlns="5ec9502b-addf-4716-883a-9e6742fd5109">-223225823</SharingHintHash>
-  </documentManagement>
-</p:properties>
-</file>
-
 <file path=customXml/item6.xml><?xml version="1.0" encoding="utf-8"?>
-<Control xmlns="http://schemas.microsoft.com/VisualStudio/2011/storyboarding/control">
-  <Id Name="System.Storyboarding.Backgrounds.WebBrowser" Revision="1" Stencil="System.Storyboarding.Backgrounds" StencilVersion="0.1"/>
-</Control>
+<?mso-contentType ?>
+<FormTemplates xmlns="http://schemas.microsoft.com/sharepoint/v3/contenttype/forms">
+  <Display>DocumentLibraryForm</Display>
+  <Edit>DocumentLibraryForm</Edit>
+  <New>DocumentLibraryForm</New>
+</FormTemplates>
 </file>
 
 <file path=customXml/itemProps1.xml><?xml version="1.0" encoding="utf-8"?>
+<ds:datastoreItem xmlns:ds="http://schemas.openxmlformats.org/officeDocument/2006/customXml" ds:itemID="{CE030D2D-A334-4C40-95AD-E97580D89B11}">
+  <ds:schemaRefs>
+    <ds:schemaRef ds:uri="http://schemas.microsoft.com/VisualStudio/2011/storyboarding/control"/>
+  </ds:schemaRefs>
+</ds:datastoreItem>
+</file>
+
+<file path=customXml/itemProps2.xml><?xml version="1.0" encoding="utf-8"?>
 <ds:datastoreItem xmlns:ds="http://schemas.openxmlformats.org/officeDocument/2006/customXml" ds:itemID="{57ED2E3B-EB43-4252-8C73-98EA6ACC344E}">
   <ds:schemaRefs>
     <ds:schemaRef ds:uri="http://schemas.microsoft.com/VisualStudio/2011/storyboarding/control"/>
@@ -32624,23 +32672,31 @@
 </ds:datastoreItem>
 </file>
 
-<file path=customXml/itemProps2.xml><?xml version="1.0" encoding="utf-8"?>
-<ds:datastoreItem xmlns:ds="http://schemas.openxmlformats.org/officeDocument/2006/customXml" ds:itemID="{CE030D2D-A334-4C40-95AD-E97580D89B11}">
+<file path=customXml/itemProps3.xml><?xml version="1.0" encoding="utf-8"?>
+<ds:datastoreItem xmlns:ds="http://schemas.openxmlformats.org/officeDocument/2006/customXml" ds:itemID="{6769EEFD-0F61-4AA2-AE02-4E16ED5BCFE8}">
   <ds:schemaRefs>
     <ds:schemaRef ds:uri="http://schemas.microsoft.com/VisualStudio/2011/storyboarding/control"/>
   </ds:schemaRefs>
 </ds:datastoreItem>
 </file>
 
-<file path=customXml/itemProps3.xml><?xml version="1.0" encoding="utf-8"?>
-<ds:datastoreItem xmlns:ds="http://schemas.openxmlformats.org/officeDocument/2006/customXml" ds:itemID="{B4606E04-852E-4880-8CD1-0B186F4087B1}">
+<file path=customXml/itemProps4.xml><?xml version="1.0" encoding="utf-8"?>
+<ds:datastoreItem xmlns:ds="http://schemas.openxmlformats.org/officeDocument/2006/customXml" ds:itemID="{F1AEA8A7-A694-4DB0-82AB-EF48F2E9B6F9}">
   <ds:schemaRefs>
-    <ds:schemaRef ds:uri="http://schemas.microsoft.com/sharepoint/v3/contenttype/forms"/>
+    <ds:schemaRef ds:uri="http://purl.org/dc/elements/1.1/"/>
+    <ds:schemaRef ds:uri="http://purl.org/dc/terms/"/>
+    <ds:schemaRef ds:uri="http://www.w3.org/XML/1998/namespace"/>
+    <ds:schemaRef ds:uri="http://schemas.microsoft.com/office/2006/documentManagement/types"/>
+    <ds:schemaRef ds:uri="http://schemas.openxmlformats.org/package/2006/metadata/core-properties"/>
+    <ds:schemaRef ds:uri="5ec9502b-addf-4716-883a-9e6742fd5109"/>
+    <ds:schemaRef ds:uri="http://schemas.microsoft.com/office/infopath/2007/PartnerControls"/>
+    <ds:schemaRef ds:uri="http://schemas.microsoft.com/office/2006/metadata/properties"/>
+    <ds:schemaRef ds:uri="http://purl.org/dc/dcmitype/"/>
   </ds:schemaRefs>
 </ds:datastoreItem>
 </file>
 
-<file path=customXml/itemProps4.xml><?xml version="1.0" encoding="utf-8"?>
+<file path=customXml/itemProps5.xml><?xml version="1.0" encoding="utf-8"?>
 <ds:datastoreItem xmlns:ds="http://schemas.openxmlformats.org/officeDocument/2006/customXml" ds:itemID="{A937641A-5B27-4C4E-ADDA-FC396561DEAF}">
   <ds:schemaRefs>
     <ds:schemaRef ds:uri="http://schemas.microsoft.com/office/2006/metadata/contentType"/>
@@ -32658,26 +32714,10 @@
 </ds:datastoreItem>
 </file>
 
-<file path=customXml/itemProps5.xml><?xml version="1.0" encoding="utf-8"?>
-<ds:datastoreItem xmlns:ds="http://schemas.openxmlformats.org/officeDocument/2006/customXml" ds:itemID="{F1AEA8A7-A694-4DB0-82AB-EF48F2E9B6F9}">
+<file path=customXml/itemProps6.xml><?xml version="1.0" encoding="utf-8"?>
+<ds:datastoreItem xmlns:ds="http://schemas.openxmlformats.org/officeDocument/2006/customXml" ds:itemID="{B4606E04-852E-4880-8CD1-0B186F4087B1}">
   <ds:schemaRefs>
-    <ds:schemaRef ds:uri="http://purl.org/dc/elements/1.1/"/>
-    <ds:schemaRef ds:uri="http://purl.org/dc/terms/"/>
-    <ds:schemaRef ds:uri="http://www.w3.org/XML/1998/namespace"/>
-    <ds:schemaRef ds:uri="http://schemas.microsoft.com/office/2006/documentManagement/types"/>
-    <ds:schemaRef ds:uri="http://schemas.openxmlformats.org/package/2006/metadata/core-properties"/>
-    <ds:schemaRef ds:uri="5ec9502b-addf-4716-883a-9e6742fd5109"/>
-    <ds:schemaRef ds:uri="http://schemas.microsoft.com/office/infopath/2007/PartnerControls"/>
-    <ds:schemaRef ds:uri="http://schemas.microsoft.com/office/2006/metadata/properties"/>
-    <ds:schemaRef ds:uri="http://purl.org/dc/dcmitype/"/>
-  </ds:schemaRefs>
-</ds:datastoreItem>
-</file>
-
-<file path=customXml/itemProps6.xml><?xml version="1.0" encoding="utf-8"?>
-<ds:datastoreItem xmlns:ds="http://schemas.openxmlformats.org/officeDocument/2006/customXml" ds:itemID="{6769EEFD-0F61-4AA2-AE02-4E16ED5BCFE8}">
-  <ds:schemaRefs>
-    <ds:schemaRef ds:uri="http://schemas.microsoft.com/VisualStudio/2011/storyboarding/control"/>
+    <ds:schemaRef ds:uri="http://schemas.microsoft.com/sharepoint/v3/contenttype/forms"/>
   </ds:schemaRefs>
 </ds:datastoreItem>
 </file>